--- a/docs/figures.pptx
+++ b/docs/figures.pptx
@@ -198,7 +198,7 @@
           <a:p>
             <a:fld id="{E94E42BC-9501-4F89-882C-24F88EFF4BA0}" type="datetimeFigureOut">
               <a:rPr lang="en-US" smtClean="0"/>
-              <a:t>4/25/23</a:t>
+              <a:t>4/26/23</a:t>
             </a:fld>
             <a:endParaRPr lang="en-US"/>
           </a:p>
@@ -554,6 +554,90 @@
 </p:notes>
 </file>
 
+<file path=ppt/notesSlides/notesSlide2.xml><?xml version="1.0" encoding="utf-8"?>
+<p:notes xmlns:a="http://schemas.openxmlformats.org/drawingml/2006/main" xmlns:r="http://schemas.openxmlformats.org/officeDocument/2006/relationships" xmlns:p="http://schemas.openxmlformats.org/presentationml/2006/main">
+  <p:cSld>
+    <p:spTree>
+      <p:nvGrpSpPr>
+        <p:cNvPr id="1" name=""/>
+        <p:cNvGrpSpPr/>
+        <p:nvPr/>
+      </p:nvGrpSpPr>
+      <p:grpSpPr>
+        <a:xfrm>
+          <a:off x="0" y="0"/>
+          <a:ext cx="0" cy="0"/>
+          <a:chOff x="0" y="0"/>
+          <a:chExt cx="0" cy="0"/>
+        </a:xfrm>
+      </p:grpSpPr>
+      <p:sp>
+        <p:nvSpPr>
+          <p:cNvPr id="2" name="Slide Image Placeholder 1"/>
+          <p:cNvSpPr>
+            <a:spLocks noGrp="1" noRot="1" noChangeAspect="1"/>
+          </p:cNvSpPr>
+          <p:nvPr>
+            <p:ph type="sldImg"/>
+          </p:nvPr>
+        </p:nvSpPr>
+        <p:spPr/>
+      </p:sp>
+      <p:sp>
+        <p:nvSpPr>
+          <p:cNvPr id="3" name="Notes Placeholder 2"/>
+          <p:cNvSpPr>
+            <a:spLocks noGrp="1"/>
+          </p:cNvSpPr>
+          <p:nvPr>
+            <p:ph type="body" idx="1"/>
+          </p:nvPr>
+        </p:nvSpPr>
+        <p:spPr/>
+        <p:txBody>
+          <a:bodyPr/>
+          <a:lstStyle/>
+          <a:p>
+            <a:endParaRPr lang="en-JP" dirty="0"/>
+          </a:p>
+        </p:txBody>
+      </p:sp>
+      <p:sp>
+        <p:nvSpPr>
+          <p:cNvPr id="4" name="Slide Number Placeholder 3"/>
+          <p:cNvSpPr>
+            <a:spLocks noGrp="1"/>
+          </p:cNvSpPr>
+          <p:nvPr>
+            <p:ph type="sldNum" sz="quarter" idx="5"/>
+          </p:nvPr>
+        </p:nvSpPr>
+        <p:spPr/>
+        <p:txBody>
+          <a:bodyPr/>
+          <a:lstStyle/>
+          <a:p>
+            <a:fld id="{A4A7FA22-AC8C-4014-9E05-A829A2CD35FC}" type="slidenum">
+              <a:rPr lang="en-US" smtClean="0"/>
+              <a:t>2</a:t>
+            </a:fld>
+            <a:endParaRPr lang="en-US"/>
+          </a:p>
+        </p:txBody>
+      </p:sp>
+    </p:spTree>
+    <p:extLst>
+      <p:ext uri="{BB962C8B-B14F-4D97-AF65-F5344CB8AC3E}">
+        <p14:creationId xmlns:p14="http://schemas.microsoft.com/office/powerpoint/2010/main" val="2699638383"/>
+      </p:ext>
+    </p:extLst>
+  </p:cSld>
+  <p:clrMapOvr>
+    <a:masterClrMapping/>
+  </p:clrMapOvr>
+</p:notes>
+</file>
+
 <file path=ppt/slideLayouts/slideLayout1.xml><?xml version="1.0" encoding="utf-8"?>
 <p:sldLayout xmlns:a="http://schemas.openxmlformats.org/drawingml/2006/main" xmlns:r="http://schemas.openxmlformats.org/officeDocument/2006/relationships" xmlns:p="http://schemas.openxmlformats.org/presentationml/2006/main" type="title" preserve="1">
   <p:cSld name="Title Slide">
@@ -685,7 +769,7 @@
           <a:p>
             <a:fld id="{AA6366AC-08F6-4AC3-9C26-689A96DD4F99}" type="datetimeFigureOut">
               <a:rPr lang="en-US" smtClean="0"/>
-              <a:t>4/25/23</a:t>
+              <a:t>4/26/23</a:t>
             </a:fld>
             <a:endParaRPr lang="en-US"/>
           </a:p>
@@ -855,7 +939,7 @@
           <a:p>
             <a:fld id="{AA6366AC-08F6-4AC3-9C26-689A96DD4F99}" type="datetimeFigureOut">
               <a:rPr lang="en-US" smtClean="0"/>
-              <a:t>4/25/23</a:t>
+              <a:t>4/26/23</a:t>
             </a:fld>
             <a:endParaRPr lang="en-US"/>
           </a:p>
@@ -1035,7 +1119,7 @@
           <a:p>
             <a:fld id="{AA6366AC-08F6-4AC3-9C26-689A96DD4F99}" type="datetimeFigureOut">
               <a:rPr lang="en-US" smtClean="0"/>
-              <a:t>4/25/23</a:t>
+              <a:t>4/26/23</a:t>
             </a:fld>
             <a:endParaRPr lang="en-US"/>
           </a:p>
@@ -1205,7 +1289,7 @@
           <a:p>
             <a:fld id="{AA6366AC-08F6-4AC3-9C26-689A96DD4F99}" type="datetimeFigureOut">
               <a:rPr lang="en-US" smtClean="0"/>
-              <a:t>4/25/23</a:t>
+              <a:t>4/26/23</a:t>
             </a:fld>
             <a:endParaRPr lang="en-US"/>
           </a:p>
@@ -1449,7 +1533,7 @@
           <a:p>
             <a:fld id="{AA6366AC-08F6-4AC3-9C26-689A96DD4F99}" type="datetimeFigureOut">
               <a:rPr lang="en-US" smtClean="0"/>
-              <a:t>4/25/23</a:t>
+              <a:t>4/26/23</a:t>
             </a:fld>
             <a:endParaRPr lang="en-US"/>
           </a:p>
@@ -1681,7 +1765,7 @@
           <a:p>
             <a:fld id="{AA6366AC-08F6-4AC3-9C26-689A96DD4F99}" type="datetimeFigureOut">
               <a:rPr lang="en-US" smtClean="0"/>
-              <a:t>4/25/23</a:t>
+              <a:t>4/26/23</a:t>
             </a:fld>
             <a:endParaRPr lang="en-US"/>
           </a:p>
@@ -2048,7 +2132,7 @@
           <a:p>
             <a:fld id="{AA6366AC-08F6-4AC3-9C26-689A96DD4F99}" type="datetimeFigureOut">
               <a:rPr lang="en-US" smtClean="0"/>
-              <a:t>4/25/23</a:t>
+              <a:t>4/26/23</a:t>
             </a:fld>
             <a:endParaRPr lang="en-US"/>
           </a:p>
@@ -2166,7 +2250,7 @@
           <a:p>
             <a:fld id="{AA6366AC-08F6-4AC3-9C26-689A96DD4F99}" type="datetimeFigureOut">
               <a:rPr lang="en-US" smtClean="0"/>
-              <a:t>4/25/23</a:t>
+              <a:t>4/26/23</a:t>
             </a:fld>
             <a:endParaRPr lang="en-US"/>
           </a:p>
@@ -2261,7 +2345,7 @@
           <a:p>
             <a:fld id="{AA6366AC-08F6-4AC3-9C26-689A96DD4F99}" type="datetimeFigureOut">
               <a:rPr lang="en-US" smtClean="0"/>
-              <a:t>4/25/23</a:t>
+              <a:t>4/26/23</a:t>
             </a:fld>
             <a:endParaRPr lang="en-US"/>
           </a:p>
@@ -2538,7 +2622,7 @@
           <a:p>
             <a:fld id="{AA6366AC-08F6-4AC3-9C26-689A96DD4F99}" type="datetimeFigureOut">
               <a:rPr lang="en-US" smtClean="0"/>
-              <a:t>4/25/23</a:t>
+              <a:t>4/26/23</a:t>
             </a:fld>
             <a:endParaRPr lang="en-US"/>
           </a:p>
@@ -2795,7 +2879,7 @@
           <a:p>
             <a:fld id="{AA6366AC-08F6-4AC3-9C26-689A96DD4F99}" type="datetimeFigureOut">
               <a:rPr lang="en-US" smtClean="0"/>
-              <a:t>4/25/23</a:t>
+              <a:t>4/26/23</a:t>
             </a:fld>
             <a:endParaRPr lang="en-US"/>
           </a:p>
@@ -3008,7 +3092,7 @@
           <a:p>
             <a:fld id="{AA6366AC-08F6-4AC3-9C26-689A96DD4F99}" type="datetimeFigureOut">
               <a:rPr lang="en-US" smtClean="0"/>
-              <a:t>4/25/23</a:t>
+              <a:t>4/26/23</a:t>
             </a:fld>
             <a:endParaRPr lang="en-US"/>
           </a:p>
@@ -5558,10 +5642,10 @@
       </p:grpSpPr>
       <p:pic>
         <p:nvPicPr>
-          <p:cNvPr id="7" name="Picture 6">
+          <p:cNvPr id="48" name="Picture 47">
             <a:extLst>
               <a:ext uri="{FF2B5EF4-FFF2-40B4-BE49-F238E27FC236}">
-                <a16:creationId xmlns:a16="http://schemas.microsoft.com/office/drawing/2014/main" id="{6FEA929E-D142-D174-0890-986F6860DFC8}"/>
+                <a16:creationId xmlns:a16="http://schemas.microsoft.com/office/drawing/2014/main" id="{83365881-AC92-9318-D00D-21D8AC8DC337}"/>
               </a:ext>
             </a:extLst>
           </p:cNvPr>
@@ -5571,15 +5655,21 @@
           <p:nvPr/>
         </p:nvPicPr>
         <p:blipFill>
-          <a:blip r:embed="rId2"/>
+          <a:blip r:embed="rId3">
+            <a:extLst>
+              <a:ext uri="{28A0092B-C50C-407E-A947-70E740481C1C}">
+                <a14:useLocalDpi xmlns:a14="http://schemas.microsoft.com/office/drawing/2010/main" val="0"/>
+              </a:ext>
+            </a:extLst>
+          </a:blip>
           <a:stretch>
             <a:fillRect/>
           </a:stretch>
         </p:blipFill>
         <p:spPr>
           <a:xfrm>
-            <a:off x="1571625" y="0"/>
-            <a:ext cx="1536700" cy="1092200"/>
+            <a:off x="1558926" y="1064302"/>
+            <a:ext cx="1549400" cy="1092200"/>
           </a:xfrm>
           <a:prstGeom prst="rect">
             <a:avLst/>
@@ -5588,10 +5678,10 @@
       </p:pic>
       <p:pic>
         <p:nvPicPr>
-          <p:cNvPr id="8" name="Picture 7">
+          <p:cNvPr id="46" name="Picture 45">
             <a:extLst>
               <a:ext uri="{FF2B5EF4-FFF2-40B4-BE49-F238E27FC236}">
-                <a16:creationId xmlns:a16="http://schemas.microsoft.com/office/drawing/2014/main" id="{9E9289E5-169E-F731-5E5D-CFFF87F42E27}"/>
+                <a16:creationId xmlns:a16="http://schemas.microsoft.com/office/drawing/2014/main" id="{F0517FAF-3AC5-8D53-2148-CCC84B9F6B87}"/>
               </a:ext>
             </a:extLst>
           </p:cNvPr>
@@ -5601,15 +5691,21 @@
           <p:nvPr/>
         </p:nvPicPr>
         <p:blipFill>
-          <a:blip r:embed="rId3"/>
+          <a:blip r:embed="rId4">
+            <a:extLst>
+              <a:ext uri="{28A0092B-C50C-407E-A947-70E740481C1C}">
+                <a14:useLocalDpi xmlns:a14="http://schemas.microsoft.com/office/drawing/2010/main" val="0"/>
+              </a:ext>
+            </a:extLst>
+          </a:blip>
           <a:stretch>
             <a:fillRect/>
           </a:stretch>
         </p:blipFill>
         <p:spPr>
           <a:xfrm>
-            <a:off x="1571625" y="1092200"/>
-            <a:ext cx="1536700" cy="1092200"/>
+            <a:off x="1558926" y="179"/>
+            <a:ext cx="1549400" cy="1092200"/>
           </a:xfrm>
           <a:prstGeom prst="rect">
             <a:avLst/>
@@ -5618,10 +5714,10 @@
       </p:pic>
       <p:pic>
         <p:nvPicPr>
-          <p:cNvPr id="10" name="Picture 9">
+          <p:cNvPr id="36" name="Picture 35">
             <a:extLst>
               <a:ext uri="{FF2B5EF4-FFF2-40B4-BE49-F238E27FC236}">
-                <a16:creationId xmlns:a16="http://schemas.microsoft.com/office/drawing/2014/main" id="{22568D0C-EFAE-C215-258D-BC2AAA4FB392}"/>
+                <a16:creationId xmlns:a16="http://schemas.microsoft.com/office/drawing/2014/main" id="{94193A86-7E6C-2576-C85F-E1F831140C81}"/>
               </a:ext>
             </a:extLst>
           </p:cNvPr>
@@ -5630,16 +5726,21 @@
           </p:cNvPicPr>
           <p:nvPr/>
         </p:nvPicPr>
-        <p:blipFill>
-          <a:blip r:embed="rId4"/>
-          <a:stretch>
-            <a:fillRect/>
-          </a:stretch>
+        <p:blipFill rotWithShape="1">
+          <a:blip r:embed="rId5">
+            <a:extLst>
+              <a:ext uri="{28A0092B-C50C-407E-A947-70E740481C1C}">
+                <a14:useLocalDpi xmlns:a14="http://schemas.microsoft.com/office/drawing/2010/main" val="0"/>
+              </a:ext>
+            </a:extLst>
+          </a:blip>
+          <a:srcRect b="5213"/>
+          <a:stretch/>
         </p:blipFill>
         <p:spPr>
           <a:xfrm>
-            <a:off x="57369" y="95250"/>
-            <a:ext cx="1447800" cy="1993900"/>
+            <a:off x="0" y="-1"/>
+            <a:ext cx="1549400" cy="2070539"/>
           </a:xfrm>
           <a:prstGeom prst="rect">
             <a:avLst/>
@@ -5660,8 +5761,8 @@
         </p:nvSpPr>
         <p:spPr>
           <a:xfrm>
-            <a:off x="-9087" y="0"/>
-            <a:ext cx="277640" cy="246221"/>
+            <a:off x="-50566" y="-63211"/>
+            <a:ext cx="268022" cy="230832"/>
           </a:xfrm>
           <a:prstGeom prst="rect">
             <a:avLst/>
@@ -5675,12 +5776,16 @@
           <a:lstStyle/>
           <a:p>
             <a:r>
-              <a:rPr lang="en-JP" sz="1000" dirty="0">
+              <a:rPr lang="en-JP" sz="900" dirty="0">
                 <a:latin typeface="Times New Roman" panose="02020603050405020304" pitchFamily="18" charset="0"/>
                 <a:cs typeface="Times New Roman" panose="02020603050405020304" pitchFamily="18" charset="0"/>
               </a:rPr>
               <a:t>A</a:t>
             </a:r>
+            <a:endParaRPr lang="en-JP" sz="1050" dirty="0">
+              <a:latin typeface="Times New Roman" panose="02020603050405020304" pitchFamily="18" charset="0"/>
+              <a:cs typeface="Times New Roman" panose="02020603050405020304" pitchFamily="18" charset="0"/>
+            </a:endParaRPr>
           </a:p>
         </p:txBody>
       </p:sp>
@@ -5698,8 +5803,8 @@
         </p:nvSpPr>
         <p:spPr>
           <a:xfrm>
-            <a:off x="1497841" y="-1"/>
-            <a:ext cx="269626" cy="246221"/>
+            <a:off x="1486199" y="-63211"/>
+            <a:ext cx="261610" cy="230832"/>
           </a:xfrm>
           <a:prstGeom prst="rect">
             <a:avLst/>
@@ -5713,7 +5818,7 @@
           <a:lstStyle/>
           <a:p>
             <a:r>
-              <a:rPr lang="en-JP" sz="1000" dirty="0">
+              <a:rPr lang="en-JP" sz="900" dirty="0">
                 <a:latin typeface="Times New Roman" panose="02020603050405020304" pitchFamily="18" charset="0"/>
                 <a:cs typeface="Times New Roman" panose="02020603050405020304" pitchFamily="18" charset="0"/>
               </a:rPr>
@@ -5736,8 +5841,8 @@
         </p:nvSpPr>
         <p:spPr>
           <a:xfrm>
-            <a:off x="1497841" y="1092199"/>
-            <a:ext cx="269626" cy="246221"/>
+            <a:off x="1486199" y="1004215"/>
+            <a:ext cx="261610" cy="230832"/>
           </a:xfrm>
           <a:prstGeom prst="rect">
             <a:avLst/>
@@ -5751,7 +5856,7 @@
           <a:lstStyle/>
           <a:p>
             <a:r>
-              <a:rPr lang="en-JP" sz="1000" dirty="0">
+              <a:rPr lang="en-JP" sz="900" dirty="0">
                 <a:latin typeface="Times New Roman" panose="02020603050405020304" pitchFamily="18" charset="0"/>
                 <a:cs typeface="Times New Roman" panose="02020603050405020304" pitchFamily="18" charset="0"/>
               </a:rPr>
